--- a/Chapter1/Figures/Fig2.pptx
+++ b/Chapter1/Figures/Fig2.pptx
@@ -7,14 +7,14 @@
   <p:sldIdLst>
     <p:sldId id="256" r:id="rId2"/>
   </p:sldIdLst>
-  <p:sldSz cx="12601575" cy="5040313"/>
+  <p:sldSz cx="6480175" cy="7921625"/>
   <p:notesSz cx="6858000" cy="9144000"/>
   <p:defaultTextStyle>
     <a:defPPr>
       <a:defRPr lang="en-US"/>
     </a:defPPr>
-    <a:lvl1pPr marL="0" algn="l" defTabSz="974019" rtl="0" eaLnBrk="1" latinLnBrk="0" hangingPunct="1">
-      <a:defRPr sz="1900" kern="1200">
+    <a:lvl1pPr marL="0" algn="l" defTabSz="779097" rtl="0" eaLnBrk="1" latinLnBrk="0" hangingPunct="1">
+      <a:defRPr sz="1500" kern="1200">
         <a:solidFill>
           <a:schemeClr val="tx1"/>
         </a:solidFill>
@@ -23,8 +23,8 @@
         <a:cs typeface="+mn-cs"/>
       </a:defRPr>
     </a:lvl1pPr>
-    <a:lvl2pPr marL="487009" algn="l" defTabSz="974019" rtl="0" eaLnBrk="1" latinLnBrk="0" hangingPunct="1">
-      <a:defRPr sz="1900" kern="1200">
+    <a:lvl2pPr marL="389548" algn="l" defTabSz="779097" rtl="0" eaLnBrk="1" latinLnBrk="0" hangingPunct="1">
+      <a:defRPr sz="1500" kern="1200">
         <a:solidFill>
           <a:schemeClr val="tx1"/>
         </a:solidFill>
@@ -33,8 +33,8 @@
         <a:cs typeface="+mn-cs"/>
       </a:defRPr>
     </a:lvl2pPr>
-    <a:lvl3pPr marL="974019" algn="l" defTabSz="974019" rtl="0" eaLnBrk="1" latinLnBrk="0" hangingPunct="1">
-      <a:defRPr sz="1900" kern="1200">
+    <a:lvl3pPr marL="779097" algn="l" defTabSz="779097" rtl="0" eaLnBrk="1" latinLnBrk="0" hangingPunct="1">
+      <a:defRPr sz="1500" kern="1200">
         <a:solidFill>
           <a:schemeClr val="tx1"/>
         </a:solidFill>
@@ -43,8 +43,8 @@
         <a:cs typeface="+mn-cs"/>
       </a:defRPr>
     </a:lvl3pPr>
-    <a:lvl4pPr marL="1461028" algn="l" defTabSz="974019" rtl="0" eaLnBrk="1" latinLnBrk="0" hangingPunct="1">
-      <a:defRPr sz="1900" kern="1200">
+    <a:lvl4pPr marL="1168646" algn="l" defTabSz="779097" rtl="0" eaLnBrk="1" latinLnBrk="0" hangingPunct="1">
+      <a:defRPr sz="1500" kern="1200">
         <a:solidFill>
           <a:schemeClr val="tx1"/>
         </a:solidFill>
@@ -53,8 +53,8 @@
         <a:cs typeface="+mn-cs"/>
       </a:defRPr>
     </a:lvl4pPr>
-    <a:lvl5pPr marL="1948038" algn="l" defTabSz="974019" rtl="0" eaLnBrk="1" latinLnBrk="0" hangingPunct="1">
-      <a:defRPr sz="1900" kern="1200">
+    <a:lvl5pPr marL="1558195" algn="l" defTabSz="779097" rtl="0" eaLnBrk="1" latinLnBrk="0" hangingPunct="1">
+      <a:defRPr sz="1500" kern="1200">
         <a:solidFill>
           <a:schemeClr val="tx1"/>
         </a:solidFill>
@@ -63,8 +63,8 @@
         <a:cs typeface="+mn-cs"/>
       </a:defRPr>
     </a:lvl5pPr>
-    <a:lvl6pPr marL="2435047" algn="l" defTabSz="974019" rtl="0" eaLnBrk="1" latinLnBrk="0" hangingPunct="1">
-      <a:defRPr sz="1900" kern="1200">
+    <a:lvl6pPr marL="1947743" algn="l" defTabSz="779097" rtl="0" eaLnBrk="1" latinLnBrk="0" hangingPunct="1">
+      <a:defRPr sz="1500" kern="1200">
         <a:solidFill>
           <a:schemeClr val="tx1"/>
         </a:solidFill>
@@ -73,8 +73,8 @@
         <a:cs typeface="+mn-cs"/>
       </a:defRPr>
     </a:lvl6pPr>
-    <a:lvl7pPr marL="2922057" algn="l" defTabSz="974019" rtl="0" eaLnBrk="1" latinLnBrk="0" hangingPunct="1">
-      <a:defRPr sz="1900" kern="1200">
+    <a:lvl7pPr marL="2337292" algn="l" defTabSz="779097" rtl="0" eaLnBrk="1" latinLnBrk="0" hangingPunct="1">
+      <a:defRPr sz="1500" kern="1200">
         <a:solidFill>
           <a:schemeClr val="tx1"/>
         </a:solidFill>
@@ -83,8 +83,8 @@
         <a:cs typeface="+mn-cs"/>
       </a:defRPr>
     </a:lvl7pPr>
-    <a:lvl8pPr marL="3409066" algn="l" defTabSz="974019" rtl="0" eaLnBrk="1" latinLnBrk="0" hangingPunct="1">
-      <a:defRPr sz="1900" kern="1200">
+    <a:lvl8pPr marL="2726840" algn="l" defTabSz="779097" rtl="0" eaLnBrk="1" latinLnBrk="0" hangingPunct="1">
+      <a:defRPr sz="1500" kern="1200">
         <a:solidFill>
           <a:schemeClr val="tx1"/>
         </a:solidFill>
@@ -93,8 +93,8 @@
         <a:cs typeface="+mn-cs"/>
       </a:defRPr>
     </a:lvl8pPr>
-    <a:lvl9pPr marL="3896076" algn="l" defTabSz="974019" rtl="0" eaLnBrk="1" latinLnBrk="0" hangingPunct="1">
-      <a:defRPr sz="1900" kern="1200">
+    <a:lvl9pPr marL="3116390" algn="l" defTabSz="779097" rtl="0" eaLnBrk="1" latinLnBrk="0" hangingPunct="1">
+      <a:defRPr sz="1500" kern="1200">
         <a:solidFill>
           <a:schemeClr val="tx1"/>
         </a:solidFill>
@@ -136,8 +136,8 @@
         </p:nvSpPr>
         <p:spPr>
           <a:xfrm>
-            <a:off x="945120" y="1565765"/>
-            <a:ext cx="10711339" cy="1080400"/>
+            <a:off x="486015" y="2460841"/>
+            <a:ext cx="5508149" cy="1698014"/>
           </a:xfrm>
         </p:spPr>
         <p:txBody>
@@ -164,8 +164,8 @@
         </p:nvSpPr>
         <p:spPr>
           <a:xfrm>
-            <a:off x="1890239" y="2856179"/>
-            <a:ext cx="8821103" cy="1288081"/>
+            <a:off x="972028" y="4488924"/>
+            <a:ext cx="4536123" cy="2024417"/>
           </a:xfrm>
         </p:spPr>
         <p:txBody>
@@ -181,7 +181,7 @@
                 </a:solidFill>
               </a:defRPr>
             </a:lvl1pPr>
-            <a:lvl2pPr marL="487009" indent="0" algn="ctr">
+            <a:lvl2pPr marL="389548" indent="0" algn="ctr">
               <a:buNone/>
               <a:defRPr>
                 <a:solidFill>
@@ -191,7 +191,7 @@
                 </a:solidFill>
               </a:defRPr>
             </a:lvl2pPr>
-            <a:lvl3pPr marL="974019" indent="0" algn="ctr">
+            <a:lvl3pPr marL="779097" indent="0" algn="ctr">
               <a:buNone/>
               <a:defRPr>
                 <a:solidFill>
@@ -201,7 +201,7 @@
                 </a:solidFill>
               </a:defRPr>
             </a:lvl3pPr>
-            <a:lvl4pPr marL="1461028" indent="0" algn="ctr">
+            <a:lvl4pPr marL="1168646" indent="0" algn="ctr">
               <a:buNone/>
               <a:defRPr>
                 <a:solidFill>
@@ -211,7 +211,7 @@
                 </a:solidFill>
               </a:defRPr>
             </a:lvl4pPr>
-            <a:lvl5pPr marL="1948038" indent="0" algn="ctr">
+            <a:lvl5pPr marL="1558195" indent="0" algn="ctr">
               <a:buNone/>
               <a:defRPr>
                 <a:solidFill>
@@ -221,7 +221,7 @@
                 </a:solidFill>
               </a:defRPr>
             </a:lvl5pPr>
-            <a:lvl6pPr marL="2435047" indent="0" algn="ctr">
+            <a:lvl6pPr marL="1947743" indent="0" algn="ctr">
               <a:buNone/>
               <a:defRPr>
                 <a:solidFill>
@@ -231,7 +231,7 @@
                 </a:solidFill>
               </a:defRPr>
             </a:lvl6pPr>
-            <a:lvl7pPr marL="2922057" indent="0" algn="ctr">
+            <a:lvl7pPr marL="2337292" indent="0" algn="ctr">
               <a:buNone/>
               <a:defRPr>
                 <a:solidFill>
@@ -241,7 +241,7 @@
                 </a:solidFill>
               </a:defRPr>
             </a:lvl7pPr>
-            <a:lvl8pPr marL="3409066" indent="0" algn="ctr">
+            <a:lvl8pPr marL="2726840" indent="0" algn="ctr">
               <a:buNone/>
               <a:defRPr>
                 <a:solidFill>
@@ -251,7 +251,7 @@
                 </a:solidFill>
               </a:defRPr>
             </a:lvl8pPr>
-            <a:lvl9pPr marL="3896076" indent="0" algn="ctr">
+            <a:lvl9pPr marL="3116390" indent="0" algn="ctr">
               <a:buNone/>
               <a:defRPr>
                 <a:solidFill>
@@ -288,7 +288,7 @@
           <a:p>
             <a:fld id="{338F8F2F-320D-429B-B01C-1B19940C3A96}" type="datetimeFigureOut">
               <a:rPr lang="en-GB" smtClean="0"/>
-              <a:t>27/06/2014</a:t>
+              <a:t>14/07/2014</a:t>
             </a:fld>
             <a:endParaRPr lang="en-GB"/>
           </a:p>
@@ -458,7 +458,7 @@
           <a:p>
             <a:fld id="{338F8F2F-320D-429B-B01C-1B19940C3A96}" type="datetimeFigureOut">
               <a:rPr lang="en-GB" smtClean="0"/>
-              <a:t>27/06/2014</a:t>
+              <a:t>14/07/2014</a:t>
             </a:fld>
             <a:endParaRPr lang="en-GB"/>
           </a:p>
@@ -548,8 +548,8 @@
         </p:nvSpPr>
         <p:spPr>
           <a:xfrm>
-            <a:off x="9136143" y="201848"/>
-            <a:ext cx="2835355" cy="4300600"/>
+            <a:off x="4698129" y="317234"/>
+            <a:ext cx="1458040" cy="6759053"/>
           </a:xfrm>
         </p:spPr>
         <p:txBody>
@@ -576,8 +576,8 @@
         </p:nvSpPr>
         <p:spPr>
           <a:xfrm>
-            <a:off x="630079" y="201848"/>
-            <a:ext cx="8296037" cy="4300600"/>
+            <a:off x="324010" y="317234"/>
+            <a:ext cx="4266116" cy="6759053"/>
           </a:xfrm>
         </p:spPr>
         <p:txBody>
@@ -638,7 +638,7 @@
           <a:p>
             <a:fld id="{338F8F2F-320D-429B-B01C-1B19940C3A96}" type="datetimeFigureOut">
               <a:rPr lang="en-GB" smtClean="0"/>
-              <a:t>27/06/2014</a:t>
+              <a:t>14/07/2014</a:t>
             </a:fld>
             <a:endParaRPr lang="en-GB"/>
           </a:p>
@@ -808,7 +808,7 @@
           <a:p>
             <a:fld id="{338F8F2F-320D-429B-B01C-1B19940C3A96}" type="datetimeFigureOut">
               <a:rPr lang="en-GB" smtClean="0"/>
-              <a:t>27/06/2014</a:t>
+              <a:t>14/07/2014</a:t>
             </a:fld>
             <a:endParaRPr lang="en-GB"/>
           </a:p>
@@ -898,15 +898,15 @@
         </p:nvSpPr>
         <p:spPr>
           <a:xfrm>
-            <a:off x="995440" y="3238868"/>
-            <a:ext cx="10711339" cy="1001062"/>
+            <a:off x="511891" y="5090379"/>
+            <a:ext cx="5508149" cy="1573322"/>
           </a:xfrm>
         </p:spPr>
         <p:txBody>
           <a:bodyPr anchor="t"/>
           <a:lstStyle>
             <a:lvl1pPr algn="l">
-              <a:defRPr sz="4300" b="1" cap="all"/>
+              <a:defRPr sz="3400" b="1" cap="all"/>
             </a:lvl1pPr>
           </a:lstStyle>
           <a:p>
@@ -930,8 +930,8 @@
         </p:nvSpPr>
         <p:spPr>
           <a:xfrm>
-            <a:off x="995440" y="2136303"/>
-            <a:ext cx="10711339" cy="1102567"/>
+            <a:off x="511891" y="3357530"/>
+            <a:ext cx="5508149" cy="1732853"/>
           </a:xfrm>
         </p:spPr>
         <p:txBody>
@@ -939,7 +939,7 @@
           <a:lstStyle>
             <a:lvl1pPr marL="0" indent="0">
               <a:buNone/>
-              <a:defRPr sz="2100">
+              <a:defRPr sz="1700">
                 <a:solidFill>
                   <a:schemeClr val="tx1">
                     <a:tint val="75000"/>
@@ -947,9 +947,9 @@
                 </a:solidFill>
               </a:defRPr>
             </a:lvl1pPr>
-            <a:lvl2pPr marL="487009" indent="0">
-              <a:buNone/>
-              <a:defRPr sz="1900">
+            <a:lvl2pPr marL="389548" indent="0">
+              <a:buNone/>
+              <a:defRPr sz="1500">
                 <a:solidFill>
                   <a:schemeClr val="tx1">
                     <a:tint val="75000"/>
@@ -957,9 +957,9 @@
                 </a:solidFill>
               </a:defRPr>
             </a:lvl2pPr>
-            <a:lvl3pPr marL="974019" indent="0">
-              <a:buNone/>
-              <a:defRPr sz="1700">
+            <a:lvl3pPr marL="779097" indent="0">
+              <a:buNone/>
+              <a:defRPr sz="1400">
                 <a:solidFill>
                   <a:schemeClr val="tx1">
                     <a:tint val="75000"/>
@@ -967,9 +967,9 @@
                 </a:solidFill>
               </a:defRPr>
             </a:lvl3pPr>
-            <a:lvl4pPr marL="1461028" indent="0">
-              <a:buNone/>
-              <a:defRPr sz="1500">
+            <a:lvl4pPr marL="1168646" indent="0">
+              <a:buNone/>
+              <a:defRPr sz="1200">
                 <a:solidFill>
                   <a:schemeClr val="tx1">
                     <a:tint val="75000"/>
@@ -977,9 +977,9 @@
                 </a:solidFill>
               </a:defRPr>
             </a:lvl4pPr>
-            <a:lvl5pPr marL="1948038" indent="0">
-              <a:buNone/>
-              <a:defRPr sz="1500">
+            <a:lvl5pPr marL="1558195" indent="0">
+              <a:buNone/>
+              <a:defRPr sz="1200">
                 <a:solidFill>
                   <a:schemeClr val="tx1">
                     <a:tint val="75000"/>
@@ -987,9 +987,9 @@
                 </a:solidFill>
               </a:defRPr>
             </a:lvl5pPr>
-            <a:lvl6pPr marL="2435047" indent="0">
-              <a:buNone/>
-              <a:defRPr sz="1500">
+            <a:lvl6pPr marL="1947743" indent="0">
+              <a:buNone/>
+              <a:defRPr sz="1200">
                 <a:solidFill>
                   <a:schemeClr val="tx1">
                     <a:tint val="75000"/>
@@ -997,9 +997,9 @@
                 </a:solidFill>
               </a:defRPr>
             </a:lvl6pPr>
-            <a:lvl7pPr marL="2922057" indent="0">
-              <a:buNone/>
-              <a:defRPr sz="1500">
+            <a:lvl7pPr marL="2337292" indent="0">
+              <a:buNone/>
+              <a:defRPr sz="1200">
                 <a:solidFill>
                   <a:schemeClr val="tx1">
                     <a:tint val="75000"/>
@@ -1007,9 +1007,9 @@
                 </a:solidFill>
               </a:defRPr>
             </a:lvl7pPr>
-            <a:lvl8pPr marL="3409066" indent="0">
-              <a:buNone/>
-              <a:defRPr sz="1500">
+            <a:lvl8pPr marL="2726840" indent="0">
+              <a:buNone/>
+              <a:defRPr sz="1200">
                 <a:solidFill>
                   <a:schemeClr val="tx1">
                     <a:tint val="75000"/>
@@ -1017,9 +1017,9 @@
                 </a:solidFill>
               </a:defRPr>
             </a:lvl8pPr>
-            <a:lvl9pPr marL="3896076" indent="0">
-              <a:buNone/>
-              <a:defRPr sz="1500">
+            <a:lvl9pPr marL="3116390" indent="0">
+              <a:buNone/>
+              <a:defRPr sz="1200">
                 <a:solidFill>
                   <a:schemeClr val="tx1">
                     <a:tint val="75000"/>
@@ -1054,7 +1054,7 @@
           <a:p>
             <a:fld id="{338F8F2F-320D-429B-B01C-1B19940C3A96}" type="datetimeFigureOut">
               <a:rPr lang="en-GB" smtClean="0"/>
-              <a:t>27/06/2014</a:t>
+              <a:t>14/07/2014</a:t>
             </a:fld>
             <a:endParaRPr lang="en-GB"/>
           </a:p>
@@ -1167,39 +1167,39 @@
         </p:nvSpPr>
         <p:spPr>
           <a:xfrm>
-            <a:off x="630081" y="1176074"/>
-            <a:ext cx="5565695" cy="3326374"/>
+            <a:off x="324010" y="1848381"/>
+            <a:ext cx="2862077" cy="5227907"/>
           </a:xfrm>
         </p:spPr>
         <p:txBody>
           <a:bodyPr/>
           <a:lstStyle>
             <a:lvl1pPr>
-              <a:defRPr sz="3000"/>
+              <a:defRPr sz="2400"/>
             </a:lvl1pPr>
             <a:lvl2pPr>
-              <a:defRPr sz="2600"/>
+              <a:defRPr sz="2000"/>
             </a:lvl2pPr>
             <a:lvl3pPr>
-              <a:defRPr sz="2100"/>
+              <a:defRPr sz="1700"/>
             </a:lvl3pPr>
             <a:lvl4pPr>
-              <a:defRPr sz="1900"/>
+              <a:defRPr sz="1500"/>
             </a:lvl4pPr>
             <a:lvl5pPr>
-              <a:defRPr sz="1900"/>
+              <a:defRPr sz="1500"/>
             </a:lvl5pPr>
             <a:lvl6pPr>
-              <a:defRPr sz="1900"/>
+              <a:defRPr sz="1500"/>
             </a:lvl6pPr>
             <a:lvl7pPr>
-              <a:defRPr sz="1900"/>
+              <a:defRPr sz="1500"/>
             </a:lvl7pPr>
             <a:lvl8pPr>
-              <a:defRPr sz="1900"/>
+              <a:defRPr sz="1500"/>
             </a:lvl8pPr>
             <a:lvl9pPr>
-              <a:defRPr sz="1900"/>
+              <a:defRPr sz="1500"/>
             </a:lvl9pPr>
           </a:lstStyle>
           <a:p>
@@ -1252,39 +1252,39 @@
         </p:nvSpPr>
         <p:spPr>
           <a:xfrm>
-            <a:off x="6405803" y="1176074"/>
-            <a:ext cx="5565695" cy="3326374"/>
+            <a:off x="3294091" y="1848381"/>
+            <a:ext cx="2862077" cy="5227907"/>
           </a:xfrm>
         </p:spPr>
         <p:txBody>
           <a:bodyPr/>
           <a:lstStyle>
             <a:lvl1pPr>
-              <a:defRPr sz="3000"/>
+              <a:defRPr sz="2400"/>
             </a:lvl1pPr>
             <a:lvl2pPr>
-              <a:defRPr sz="2600"/>
+              <a:defRPr sz="2000"/>
             </a:lvl2pPr>
             <a:lvl3pPr>
-              <a:defRPr sz="2100"/>
+              <a:defRPr sz="1700"/>
             </a:lvl3pPr>
             <a:lvl4pPr>
-              <a:defRPr sz="1900"/>
+              <a:defRPr sz="1500"/>
             </a:lvl4pPr>
             <a:lvl5pPr>
-              <a:defRPr sz="1900"/>
+              <a:defRPr sz="1500"/>
             </a:lvl5pPr>
             <a:lvl6pPr>
-              <a:defRPr sz="1900"/>
+              <a:defRPr sz="1500"/>
             </a:lvl6pPr>
             <a:lvl7pPr>
-              <a:defRPr sz="1900"/>
+              <a:defRPr sz="1500"/>
             </a:lvl7pPr>
             <a:lvl8pPr>
-              <a:defRPr sz="1900"/>
+              <a:defRPr sz="1500"/>
             </a:lvl8pPr>
             <a:lvl9pPr>
-              <a:defRPr sz="1900"/>
+              <a:defRPr sz="1500"/>
             </a:lvl9pPr>
           </a:lstStyle>
           <a:p>
@@ -1342,7 +1342,7 @@
           <a:p>
             <a:fld id="{338F8F2F-320D-429B-B01C-1B19940C3A96}" type="datetimeFigureOut">
               <a:rPr lang="en-GB" smtClean="0"/>
-              <a:t>27/06/2014</a:t>
+              <a:t>14/07/2014</a:t>
             </a:fld>
             <a:endParaRPr lang="en-GB"/>
           </a:p>
@@ -1459,8 +1459,8 @@
         </p:nvSpPr>
         <p:spPr>
           <a:xfrm>
-            <a:off x="630080" y="1128237"/>
-            <a:ext cx="5567884" cy="470196"/>
+            <a:off x="324009" y="1773197"/>
+            <a:ext cx="2863203" cy="738986"/>
           </a:xfrm>
         </p:spPr>
         <p:txBody>
@@ -1468,39 +1468,39 @@
           <a:lstStyle>
             <a:lvl1pPr marL="0" indent="0">
               <a:buNone/>
-              <a:defRPr sz="2600" b="1"/>
+              <a:defRPr sz="2000" b="1"/>
             </a:lvl1pPr>
-            <a:lvl2pPr marL="487009" indent="0">
-              <a:buNone/>
-              <a:defRPr sz="2100" b="1"/>
+            <a:lvl2pPr marL="389548" indent="0">
+              <a:buNone/>
+              <a:defRPr sz="1700" b="1"/>
             </a:lvl2pPr>
-            <a:lvl3pPr marL="974019" indent="0">
-              <a:buNone/>
-              <a:defRPr sz="1900" b="1"/>
+            <a:lvl3pPr marL="779097" indent="0">
+              <a:buNone/>
+              <a:defRPr sz="1500" b="1"/>
             </a:lvl3pPr>
-            <a:lvl4pPr marL="1461028" indent="0">
-              <a:buNone/>
-              <a:defRPr sz="1700" b="1"/>
+            <a:lvl4pPr marL="1168646" indent="0">
+              <a:buNone/>
+              <a:defRPr sz="1400" b="1"/>
             </a:lvl4pPr>
-            <a:lvl5pPr marL="1948038" indent="0">
-              <a:buNone/>
-              <a:defRPr sz="1700" b="1"/>
+            <a:lvl5pPr marL="1558195" indent="0">
+              <a:buNone/>
+              <a:defRPr sz="1400" b="1"/>
             </a:lvl5pPr>
-            <a:lvl6pPr marL="2435047" indent="0">
-              <a:buNone/>
-              <a:defRPr sz="1700" b="1"/>
+            <a:lvl6pPr marL="1947743" indent="0">
+              <a:buNone/>
+              <a:defRPr sz="1400" b="1"/>
             </a:lvl6pPr>
-            <a:lvl7pPr marL="2922057" indent="0">
-              <a:buNone/>
-              <a:defRPr sz="1700" b="1"/>
+            <a:lvl7pPr marL="2337292" indent="0">
+              <a:buNone/>
+              <a:defRPr sz="1400" b="1"/>
             </a:lvl7pPr>
-            <a:lvl8pPr marL="3409066" indent="0">
-              <a:buNone/>
-              <a:defRPr sz="1700" b="1"/>
+            <a:lvl8pPr marL="2726840" indent="0">
+              <a:buNone/>
+              <a:defRPr sz="1400" b="1"/>
             </a:lvl8pPr>
-            <a:lvl9pPr marL="3896076" indent="0">
-              <a:buNone/>
-              <a:defRPr sz="1700" b="1"/>
+            <a:lvl9pPr marL="3116390" indent="0">
+              <a:buNone/>
+              <a:defRPr sz="1400" b="1"/>
             </a:lvl9pPr>
           </a:lstStyle>
           <a:p>
@@ -1524,39 +1524,39 @@
         </p:nvSpPr>
         <p:spPr>
           <a:xfrm>
-            <a:off x="630080" y="1598433"/>
-            <a:ext cx="5567884" cy="2904014"/>
+            <a:off x="324009" y="2512183"/>
+            <a:ext cx="2863203" cy="4564103"/>
           </a:xfrm>
         </p:spPr>
         <p:txBody>
           <a:bodyPr/>
           <a:lstStyle>
             <a:lvl1pPr>
-              <a:defRPr sz="2600"/>
+              <a:defRPr sz="2000"/>
             </a:lvl1pPr>
             <a:lvl2pPr>
-              <a:defRPr sz="2100"/>
+              <a:defRPr sz="1700"/>
             </a:lvl2pPr>
             <a:lvl3pPr>
-              <a:defRPr sz="1900"/>
+              <a:defRPr sz="1500"/>
             </a:lvl3pPr>
             <a:lvl4pPr>
-              <a:defRPr sz="1700"/>
+              <a:defRPr sz="1400"/>
             </a:lvl4pPr>
             <a:lvl5pPr>
-              <a:defRPr sz="1700"/>
+              <a:defRPr sz="1400"/>
             </a:lvl5pPr>
             <a:lvl6pPr>
-              <a:defRPr sz="1700"/>
+              <a:defRPr sz="1400"/>
             </a:lvl6pPr>
             <a:lvl7pPr>
-              <a:defRPr sz="1700"/>
+              <a:defRPr sz="1400"/>
             </a:lvl7pPr>
             <a:lvl8pPr>
-              <a:defRPr sz="1700"/>
+              <a:defRPr sz="1400"/>
             </a:lvl8pPr>
             <a:lvl9pPr>
-              <a:defRPr sz="1700"/>
+              <a:defRPr sz="1400"/>
             </a:lvl9pPr>
           </a:lstStyle>
           <a:p>
@@ -1609,8 +1609,8 @@
         </p:nvSpPr>
         <p:spPr>
           <a:xfrm>
-            <a:off x="6401428" y="1128237"/>
-            <a:ext cx="5570071" cy="470196"/>
+            <a:off x="3291840" y="1773197"/>
+            <a:ext cx="2864328" cy="738986"/>
           </a:xfrm>
         </p:spPr>
         <p:txBody>
@@ -1618,39 +1618,39 @@
           <a:lstStyle>
             <a:lvl1pPr marL="0" indent="0">
               <a:buNone/>
-              <a:defRPr sz="2600" b="1"/>
+              <a:defRPr sz="2000" b="1"/>
             </a:lvl1pPr>
-            <a:lvl2pPr marL="487009" indent="0">
-              <a:buNone/>
-              <a:defRPr sz="2100" b="1"/>
+            <a:lvl2pPr marL="389548" indent="0">
+              <a:buNone/>
+              <a:defRPr sz="1700" b="1"/>
             </a:lvl2pPr>
-            <a:lvl3pPr marL="974019" indent="0">
-              <a:buNone/>
-              <a:defRPr sz="1900" b="1"/>
+            <a:lvl3pPr marL="779097" indent="0">
+              <a:buNone/>
+              <a:defRPr sz="1500" b="1"/>
             </a:lvl3pPr>
-            <a:lvl4pPr marL="1461028" indent="0">
-              <a:buNone/>
-              <a:defRPr sz="1700" b="1"/>
+            <a:lvl4pPr marL="1168646" indent="0">
+              <a:buNone/>
+              <a:defRPr sz="1400" b="1"/>
             </a:lvl4pPr>
-            <a:lvl5pPr marL="1948038" indent="0">
-              <a:buNone/>
-              <a:defRPr sz="1700" b="1"/>
+            <a:lvl5pPr marL="1558195" indent="0">
+              <a:buNone/>
+              <a:defRPr sz="1400" b="1"/>
             </a:lvl5pPr>
-            <a:lvl6pPr marL="2435047" indent="0">
-              <a:buNone/>
-              <a:defRPr sz="1700" b="1"/>
+            <a:lvl6pPr marL="1947743" indent="0">
+              <a:buNone/>
+              <a:defRPr sz="1400" b="1"/>
             </a:lvl6pPr>
-            <a:lvl7pPr marL="2922057" indent="0">
-              <a:buNone/>
-              <a:defRPr sz="1700" b="1"/>
+            <a:lvl7pPr marL="2337292" indent="0">
+              <a:buNone/>
+              <a:defRPr sz="1400" b="1"/>
             </a:lvl7pPr>
-            <a:lvl8pPr marL="3409066" indent="0">
-              <a:buNone/>
-              <a:defRPr sz="1700" b="1"/>
+            <a:lvl8pPr marL="2726840" indent="0">
+              <a:buNone/>
+              <a:defRPr sz="1400" b="1"/>
             </a:lvl8pPr>
-            <a:lvl9pPr marL="3896076" indent="0">
-              <a:buNone/>
-              <a:defRPr sz="1700" b="1"/>
+            <a:lvl9pPr marL="3116390" indent="0">
+              <a:buNone/>
+              <a:defRPr sz="1400" b="1"/>
             </a:lvl9pPr>
           </a:lstStyle>
           <a:p>
@@ -1674,39 +1674,39 @@
         </p:nvSpPr>
         <p:spPr>
           <a:xfrm>
-            <a:off x="6401428" y="1598433"/>
-            <a:ext cx="5570071" cy="2904014"/>
+            <a:off x="3291840" y="2512183"/>
+            <a:ext cx="2864328" cy="4564103"/>
           </a:xfrm>
         </p:spPr>
         <p:txBody>
           <a:bodyPr/>
           <a:lstStyle>
             <a:lvl1pPr>
-              <a:defRPr sz="2600"/>
+              <a:defRPr sz="2000"/>
             </a:lvl1pPr>
             <a:lvl2pPr>
-              <a:defRPr sz="2100"/>
+              <a:defRPr sz="1700"/>
             </a:lvl2pPr>
             <a:lvl3pPr>
-              <a:defRPr sz="1900"/>
+              <a:defRPr sz="1500"/>
             </a:lvl3pPr>
             <a:lvl4pPr>
-              <a:defRPr sz="1700"/>
+              <a:defRPr sz="1400"/>
             </a:lvl4pPr>
             <a:lvl5pPr>
-              <a:defRPr sz="1700"/>
+              <a:defRPr sz="1400"/>
             </a:lvl5pPr>
             <a:lvl6pPr>
-              <a:defRPr sz="1700"/>
+              <a:defRPr sz="1400"/>
             </a:lvl6pPr>
             <a:lvl7pPr>
-              <a:defRPr sz="1700"/>
+              <a:defRPr sz="1400"/>
             </a:lvl7pPr>
             <a:lvl8pPr>
-              <a:defRPr sz="1700"/>
+              <a:defRPr sz="1400"/>
             </a:lvl8pPr>
             <a:lvl9pPr>
-              <a:defRPr sz="1700"/>
+              <a:defRPr sz="1400"/>
             </a:lvl9pPr>
           </a:lstStyle>
           <a:p>
@@ -1764,7 +1764,7 @@
           <a:p>
             <a:fld id="{338F8F2F-320D-429B-B01C-1B19940C3A96}" type="datetimeFigureOut">
               <a:rPr lang="en-GB" smtClean="0"/>
-              <a:t>27/06/2014</a:t>
+              <a:t>14/07/2014</a:t>
             </a:fld>
             <a:endParaRPr lang="en-GB"/>
           </a:p>
@@ -1882,7 +1882,7 @@
           <a:p>
             <a:fld id="{338F8F2F-320D-429B-B01C-1B19940C3A96}" type="datetimeFigureOut">
               <a:rPr lang="en-GB" smtClean="0"/>
-              <a:t>27/06/2014</a:t>
+              <a:t>14/07/2014</a:t>
             </a:fld>
             <a:endParaRPr lang="en-GB"/>
           </a:p>
@@ -1977,7 +1977,7 @@
           <a:p>
             <a:fld id="{338F8F2F-320D-429B-B01C-1B19940C3A96}" type="datetimeFigureOut">
               <a:rPr lang="en-GB" smtClean="0"/>
-              <a:t>27/06/2014</a:t>
+              <a:t>14/07/2014</a:t>
             </a:fld>
             <a:endParaRPr lang="en-GB"/>
           </a:p>
@@ -2067,15 +2067,15 @@
         </p:nvSpPr>
         <p:spPr>
           <a:xfrm>
-            <a:off x="630079" y="200681"/>
-            <a:ext cx="4145832" cy="854052"/>
+            <a:off x="324009" y="315401"/>
+            <a:ext cx="2131933" cy="1342274"/>
           </a:xfrm>
         </p:spPr>
         <p:txBody>
           <a:bodyPr anchor="b"/>
           <a:lstStyle>
             <a:lvl1pPr algn="l">
-              <a:defRPr sz="2100" b="1"/>
+              <a:defRPr sz="1700" b="1"/>
             </a:lvl1pPr>
           </a:lstStyle>
           <a:p>
@@ -2099,39 +2099,39 @@
         </p:nvSpPr>
         <p:spPr>
           <a:xfrm>
-            <a:off x="4926868" y="200682"/>
-            <a:ext cx="7044631" cy="4301767"/>
+            <a:off x="2533571" y="315403"/>
+            <a:ext cx="3622598" cy="6760887"/>
           </a:xfrm>
         </p:spPr>
         <p:txBody>
           <a:bodyPr/>
           <a:lstStyle>
             <a:lvl1pPr>
-              <a:defRPr sz="3400"/>
+              <a:defRPr sz="2700"/>
             </a:lvl1pPr>
             <a:lvl2pPr>
-              <a:defRPr sz="3000"/>
+              <a:defRPr sz="2400"/>
             </a:lvl2pPr>
             <a:lvl3pPr>
-              <a:defRPr sz="2600"/>
+              <a:defRPr sz="2000"/>
             </a:lvl3pPr>
             <a:lvl4pPr>
-              <a:defRPr sz="2100"/>
+              <a:defRPr sz="1700"/>
             </a:lvl4pPr>
             <a:lvl5pPr>
-              <a:defRPr sz="2100"/>
+              <a:defRPr sz="1700"/>
             </a:lvl5pPr>
             <a:lvl6pPr>
-              <a:defRPr sz="2100"/>
+              <a:defRPr sz="1700"/>
             </a:lvl6pPr>
             <a:lvl7pPr>
-              <a:defRPr sz="2100"/>
+              <a:defRPr sz="1700"/>
             </a:lvl7pPr>
             <a:lvl8pPr>
-              <a:defRPr sz="2100"/>
+              <a:defRPr sz="1700"/>
             </a:lvl8pPr>
             <a:lvl9pPr>
-              <a:defRPr sz="2100"/>
+              <a:defRPr sz="1700"/>
             </a:lvl9pPr>
           </a:lstStyle>
           <a:p>
@@ -2184,8 +2184,8 @@
         </p:nvSpPr>
         <p:spPr>
           <a:xfrm>
-            <a:off x="630079" y="1054734"/>
-            <a:ext cx="4145832" cy="3447714"/>
+            <a:off x="324009" y="1657677"/>
+            <a:ext cx="2131933" cy="5418611"/>
           </a:xfrm>
         </p:spPr>
         <p:txBody>
@@ -2193,39 +2193,39 @@
           <a:lstStyle>
             <a:lvl1pPr marL="0" indent="0">
               <a:buNone/>
-              <a:defRPr sz="1500"/>
+              <a:defRPr sz="1200"/>
             </a:lvl1pPr>
-            <a:lvl2pPr marL="487009" indent="0">
-              <a:buNone/>
-              <a:defRPr sz="1300"/>
+            <a:lvl2pPr marL="389548" indent="0">
+              <a:buNone/>
+              <a:defRPr sz="1000"/>
             </a:lvl2pPr>
-            <a:lvl3pPr marL="974019" indent="0">
-              <a:buNone/>
-              <a:defRPr sz="1100"/>
+            <a:lvl3pPr marL="779097" indent="0">
+              <a:buNone/>
+              <a:defRPr sz="800"/>
             </a:lvl3pPr>
-            <a:lvl4pPr marL="1461028" indent="0">
-              <a:buNone/>
-              <a:defRPr sz="1000"/>
+            <a:lvl4pPr marL="1168646" indent="0">
+              <a:buNone/>
+              <a:defRPr sz="800"/>
             </a:lvl4pPr>
-            <a:lvl5pPr marL="1948038" indent="0">
-              <a:buNone/>
-              <a:defRPr sz="1000"/>
+            <a:lvl5pPr marL="1558195" indent="0">
+              <a:buNone/>
+              <a:defRPr sz="800"/>
             </a:lvl5pPr>
-            <a:lvl6pPr marL="2435047" indent="0">
-              <a:buNone/>
-              <a:defRPr sz="1000"/>
+            <a:lvl6pPr marL="1947743" indent="0">
+              <a:buNone/>
+              <a:defRPr sz="800"/>
             </a:lvl6pPr>
-            <a:lvl7pPr marL="2922057" indent="0">
-              <a:buNone/>
-              <a:defRPr sz="1000"/>
+            <a:lvl7pPr marL="2337292" indent="0">
+              <a:buNone/>
+              <a:defRPr sz="800"/>
             </a:lvl7pPr>
-            <a:lvl8pPr marL="3409066" indent="0">
-              <a:buNone/>
-              <a:defRPr sz="1000"/>
+            <a:lvl8pPr marL="2726840" indent="0">
+              <a:buNone/>
+              <a:defRPr sz="800"/>
             </a:lvl8pPr>
-            <a:lvl9pPr marL="3896076" indent="0">
-              <a:buNone/>
-              <a:defRPr sz="1000"/>
+            <a:lvl9pPr marL="3116390" indent="0">
+              <a:buNone/>
+              <a:defRPr sz="800"/>
             </a:lvl9pPr>
           </a:lstStyle>
           <a:p>
@@ -2254,7 +2254,7 @@
           <a:p>
             <a:fld id="{338F8F2F-320D-429B-B01C-1B19940C3A96}" type="datetimeFigureOut">
               <a:rPr lang="en-GB" smtClean="0"/>
-              <a:t>27/06/2014</a:t>
+              <a:t>14/07/2014</a:t>
             </a:fld>
             <a:endParaRPr lang="en-GB"/>
           </a:p>
@@ -2344,15 +2344,15 @@
         </p:nvSpPr>
         <p:spPr>
           <a:xfrm>
-            <a:off x="2469998" y="3528219"/>
-            <a:ext cx="7560945" cy="416526"/>
+            <a:off x="1270161" y="5545138"/>
+            <a:ext cx="3888105" cy="654634"/>
           </a:xfrm>
         </p:spPr>
         <p:txBody>
           <a:bodyPr anchor="b"/>
           <a:lstStyle>
             <a:lvl1pPr algn="l">
-              <a:defRPr sz="2100" b="1"/>
+              <a:defRPr sz="1700" b="1"/>
             </a:lvl1pPr>
           </a:lstStyle>
           <a:p>
@@ -2376,8 +2376,8 @@
         </p:nvSpPr>
         <p:spPr>
           <a:xfrm>
-            <a:off x="2469998" y="450361"/>
-            <a:ext cx="7560945" cy="3024188"/>
+            <a:off x="1270161" y="707812"/>
+            <a:ext cx="3888105" cy="4752975"/>
           </a:xfrm>
         </p:spPr>
         <p:txBody>
@@ -2385,39 +2385,39 @@
           <a:lstStyle>
             <a:lvl1pPr marL="0" indent="0">
               <a:buNone/>
-              <a:defRPr sz="3400"/>
+              <a:defRPr sz="2700"/>
             </a:lvl1pPr>
-            <a:lvl2pPr marL="487009" indent="0">
-              <a:buNone/>
-              <a:defRPr sz="3000"/>
+            <a:lvl2pPr marL="389548" indent="0">
+              <a:buNone/>
+              <a:defRPr sz="2400"/>
             </a:lvl2pPr>
-            <a:lvl3pPr marL="974019" indent="0">
-              <a:buNone/>
-              <a:defRPr sz="2600"/>
+            <a:lvl3pPr marL="779097" indent="0">
+              <a:buNone/>
+              <a:defRPr sz="2000"/>
             </a:lvl3pPr>
-            <a:lvl4pPr marL="1461028" indent="0">
-              <a:buNone/>
-              <a:defRPr sz="2100"/>
+            <a:lvl4pPr marL="1168646" indent="0">
+              <a:buNone/>
+              <a:defRPr sz="1700"/>
             </a:lvl4pPr>
-            <a:lvl5pPr marL="1948038" indent="0">
-              <a:buNone/>
-              <a:defRPr sz="2100"/>
+            <a:lvl5pPr marL="1558195" indent="0">
+              <a:buNone/>
+              <a:defRPr sz="1700"/>
             </a:lvl5pPr>
-            <a:lvl6pPr marL="2435047" indent="0">
-              <a:buNone/>
-              <a:defRPr sz="2100"/>
+            <a:lvl6pPr marL="1947743" indent="0">
+              <a:buNone/>
+              <a:defRPr sz="1700"/>
             </a:lvl6pPr>
-            <a:lvl7pPr marL="2922057" indent="0">
-              <a:buNone/>
-              <a:defRPr sz="2100"/>
+            <a:lvl7pPr marL="2337292" indent="0">
+              <a:buNone/>
+              <a:defRPr sz="1700"/>
             </a:lvl7pPr>
-            <a:lvl8pPr marL="3409066" indent="0">
-              <a:buNone/>
-              <a:defRPr sz="2100"/>
+            <a:lvl8pPr marL="2726840" indent="0">
+              <a:buNone/>
+              <a:defRPr sz="1700"/>
             </a:lvl8pPr>
-            <a:lvl9pPr marL="3896076" indent="0">
-              <a:buNone/>
-              <a:defRPr sz="2100"/>
+            <a:lvl9pPr marL="3116390" indent="0">
+              <a:buNone/>
+              <a:defRPr sz="1700"/>
             </a:lvl9pPr>
           </a:lstStyle>
           <a:p>
@@ -2437,8 +2437,8 @@
         </p:nvSpPr>
         <p:spPr>
           <a:xfrm>
-            <a:off x="2469998" y="3944748"/>
-            <a:ext cx="7560945" cy="591537"/>
+            <a:off x="1270161" y="6199777"/>
+            <a:ext cx="3888105" cy="929692"/>
           </a:xfrm>
         </p:spPr>
         <p:txBody>
@@ -2446,39 +2446,39 @@
           <a:lstStyle>
             <a:lvl1pPr marL="0" indent="0">
               <a:buNone/>
-              <a:defRPr sz="1500"/>
+              <a:defRPr sz="1200"/>
             </a:lvl1pPr>
-            <a:lvl2pPr marL="487009" indent="0">
-              <a:buNone/>
-              <a:defRPr sz="1300"/>
+            <a:lvl2pPr marL="389548" indent="0">
+              <a:buNone/>
+              <a:defRPr sz="1000"/>
             </a:lvl2pPr>
-            <a:lvl3pPr marL="974019" indent="0">
-              <a:buNone/>
-              <a:defRPr sz="1100"/>
+            <a:lvl3pPr marL="779097" indent="0">
+              <a:buNone/>
+              <a:defRPr sz="800"/>
             </a:lvl3pPr>
-            <a:lvl4pPr marL="1461028" indent="0">
-              <a:buNone/>
-              <a:defRPr sz="1000"/>
+            <a:lvl4pPr marL="1168646" indent="0">
+              <a:buNone/>
+              <a:defRPr sz="800"/>
             </a:lvl4pPr>
-            <a:lvl5pPr marL="1948038" indent="0">
-              <a:buNone/>
-              <a:defRPr sz="1000"/>
+            <a:lvl5pPr marL="1558195" indent="0">
+              <a:buNone/>
+              <a:defRPr sz="800"/>
             </a:lvl5pPr>
-            <a:lvl6pPr marL="2435047" indent="0">
-              <a:buNone/>
-              <a:defRPr sz="1000"/>
+            <a:lvl6pPr marL="1947743" indent="0">
+              <a:buNone/>
+              <a:defRPr sz="800"/>
             </a:lvl6pPr>
-            <a:lvl7pPr marL="2922057" indent="0">
-              <a:buNone/>
-              <a:defRPr sz="1000"/>
+            <a:lvl7pPr marL="2337292" indent="0">
+              <a:buNone/>
+              <a:defRPr sz="800"/>
             </a:lvl7pPr>
-            <a:lvl8pPr marL="3409066" indent="0">
-              <a:buNone/>
-              <a:defRPr sz="1000"/>
+            <a:lvl8pPr marL="2726840" indent="0">
+              <a:buNone/>
+              <a:defRPr sz="800"/>
             </a:lvl8pPr>
-            <a:lvl9pPr marL="3896076" indent="0">
-              <a:buNone/>
-              <a:defRPr sz="1000"/>
+            <a:lvl9pPr marL="3116390" indent="0">
+              <a:buNone/>
+              <a:defRPr sz="800"/>
             </a:lvl9pPr>
           </a:lstStyle>
           <a:p>
@@ -2507,7 +2507,7 @@
           <a:p>
             <a:fld id="{338F8F2F-320D-429B-B01C-1B19940C3A96}" type="datetimeFigureOut">
               <a:rPr lang="en-GB" smtClean="0"/>
-              <a:t>27/06/2014</a:t>
+              <a:t>14/07/2014</a:t>
             </a:fld>
             <a:endParaRPr lang="en-GB"/>
           </a:p>
@@ -2602,15 +2602,15 @@
         </p:nvSpPr>
         <p:spPr>
           <a:xfrm>
-            <a:off x="630081" y="201848"/>
-            <a:ext cx="11341418" cy="840053"/>
+            <a:off x="324010" y="317236"/>
+            <a:ext cx="5832158" cy="1320272"/>
           </a:xfrm>
           <a:prstGeom prst="rect">
             <a:avLst/>
           </a:prstGeom>
         </p:spPr>
         <p:txBody>
-          <a:bodyPr vert="horz" lIns="97402" tIns="48701" rIns="97402" bIns="48701" rtlCol="0" anchor="ctr">
+          <a:bodyPr vert="horz" lIns="77910" tIns="38955" rIns="77910" bIns="38955" rtlCol="0" anchor="ctr">
             <a:normAutofit/>
           </a:bodyPr>
           <a:lstStyle/>
@@ -2635,15 +2635,15 @@
         </p:nvSpPr>
         <p:spPr>
           <a:xfrm>
-            <a:off x="630081" y="1176074"/>
-            <a:ext cx="11341418" cy="3326374"/>
+            <a:off x="324010" y="1848381"/>
+            <a:ext cx="5832158" cy="5227907"/>
           </a:xfrm>
           <a:prstGeom prst="rect">
             <a:avLst/>
           </a:prstGeom>
         </p:spPr>
         <p:txBody>
-          <a:bodyPr vert="horz" lIns="97402" tIns="48701" rIns="97402" bIns="48701" rtlCol="0">
+          <a:bodyPr vert="horz" lIns="77910" tIns="38955" rIns="77910" bIns="38955" rtlCol="0">
             <a:normAutofit/>
           </a:bodyPr>
           <a:lstStyle/>
@@ -2697,18 +2697,18 @@
         </p:nvSpPr>
         <p:spPr>
           <a:xfrm>
-            <a:off x="630081" y="4671624"/>
-            <a:ext cx="2940367" cy="268350"/>
+            <a:off x="324010" y="7342174"/>
+            <a:ext cx="1512041" cy="421754"/>
           </a:xfrm>
           <a:prstGeom prst="rect">
             <a:avLst/>
           </a:prstGeom>
         </p:spPr>
         <p:txBody>
-          <a:bodyPr vert="horz" lIns="97402" tIns="48701" rIns="97402" bIns="48701" rtlCol="0" anchor="ctr"/>
+          <a:bodyPr vert="horz" lIns="77910" tIns="38955" rIns="77910" bIns="38955" rtlCol="0" anchor="ctr"/>
           <a:lstStyle>
             <a:lvl1pPr algn="l">
-              <a:defRPr sz="1300">
+              <a:defRPr sz="1000">
                 <a:solidFill>
                   <a:schemeClr val="tx1">
                     <a:tint val="75000"/>
@@ -2720,7 +2720,7 @@
           <a:p>
             <a:fld id="{338F8F2F-320D-429B-B01C-1B19940C3A96}" type="datetimeFigureOut">
               <a:rPr lang="en-GB" smtClean="0"/>
-              <a:t>27/06/2014</a:t>
+              <a:t>14/07/2014</a:t>
             </a:fld>
             <a:endParaRPr lang="en-GB"/>
           </a:p>
@@ -2738,18 +2738,18 @@
         </p:nvSpPr>
         <p:spPr>
           <a:xfrm>
-            <a:off x="4305538" y="4671624"/>
-            <a:ext cx="3990500" cy="268350"/>
+            <a:off x="2214060" y="7342174"/>
+            <a:ext cx="2052056" cy="421754"/>
           </a:xfrm>
           <a:prstGeom prst="rect">
             <a:avLst/>
           </a:prstGeom>
         </p:spPr>
         <p:txBody>
-          <a:bodyPr vert="horz" lIns="97402" tIns="48701" rIns="97402" bIns="48701" rtlCol="0" anchor="ctr"/>
+          <a:bodyPr vert="horz" lIns="77910" tIns="38955" rIns="77910" bIns="38955" rtlCol="0" anchor="ctr"/>
           <a:lstStyle>
             <a:lvl1pPr algn="ctr">
-              <a:defRPr sz="1300">
+              <a:defRPr sz="1000">
                 <a:solidFill>
                   <a:schemeClr val="tx1">
                     <a:tint val="75000"/>
@@ -2775,18 +2775,18 @@
         </p:nvSpPr>
         <p:spPr>
           <a:xfrm>
-            <a:off x="9031131" y="4671624"/>
-            <a:ext cx="2940367" cy="268350"/>
+            <a:off x="4644126" y="7342174"/>
+            <a:ext cx="1512041" cy="421754"/>
           </a:xfrm>
           <a:prstGeom prst="rect">
             <a:avLst/>
           </a:prstGeom>
         </p:spPr>
         <p:txBody>
-          <a:bodyPr vert="horz" lIns="97402" tIns="48701" rIns="97402" bIns="48701" rtlCol="0" anchor="ctr"/>
+          <a:bodyPr vert="horz" lIns="77910" tIns="38955" rIns="77910" bIns="38955" rtlCol="0" anchor="ctr"/>
           <a:lstStyle>
             <a:lvl1pPr algn="r">
-              <a:defRPr sz="1300">
+              <a:defRPr sz="1000">
                 <a:solidFill>
                   <a:schemeClr val="tx1">
                     <a:tint val="75000"/>
@@ -2827,12 +2827,12 @@
   </p:sldLayoutIdLst>
   <p:txStyles>
     <p:titleStyle>
-      <a:lvl1pPr algn="ctr" defTabSz="974019" rtl="0" eaLnBrk="1" latinLnBrk="0" hangingPunct="1">
+      <a:lvl1pPr algn="ctr" defTabSz="779097" rtl="0" eaLnBrk="1" latinLnBrk="0" hangingPunct="1">
         <a:spcBef>
           <a:spcPct val="0"/>
         </a:spcBef>
         <a:buNone/>
-        <a:defRPr sz="4700" kern="1200">
+        <a:defRPr sz="3700" kern="1200">
           <a:solidFill>
             <a:schemeClr val="tx1"/>
           </a:solidFill>
@@ -2843,13 +2843,13 @@
       </a:lvl1pPr>
     </p:titleStyle>
     <p:bodyStyle>
-      <a:lvl1pPr marL="365257" indent="-365257" algn="l" defTabSz="974019" rtl="0" eaLnBrk="1" latinLnBrk="0" hangingPunct="1">
+      <a:lvl1pPr marL="292161" indent="-292161" algn="l" defTabSz="779097" rtl="0" eaLnBrk="1" latinLnBrk="0" hangingPunct="1">
         <a:spcBef>
           <a:spcPct val="20000"/>
         </a:spcBef>
         <a:buFont typeface="Arial" panose="020B0604020202020204" pitchFamily="34" charset="0"/>
         <a:buChar char="•"/>
-        <a:defRPr sz="3400" kern="1200">
+        <a:defRPr sz="2700" kern="1200">
           <a:solidFill>
             <a:schemeClr val="tx1"/>
           </a:solidFill>
@@ -2858,13 +2858,13 @@
           <a:cs typeface="+mn-cs"/>
         </a:defRPr>
       </a:lvl1pPr>
-      <a:lvl2pPr marL="791390" indent="-304381" algn="l" defTabSz="974019" rtl="0" eaLnBrk="1" latinLnBrk="0" hangingPunct="1">
+      <a:lvl2pPr marL="633016" indent="-243468" algn="l" defTabSz="779097" rtl="0" eaLnBrk="1" latinLnBrk="0" hangingPunct="1">
         <a:spcBef>
           <a:spcPct val="20000"/>
         </a:spcBef>
         <a:buFont typeface="Arial" panose="020B0604020202020204" pitchFamily="34" charset="0"/>
         <a:buChar char="–"/>
-        <a:defRPr sz="3000" kern="1200">
+        <a:defRPr sz="2400" kern="1200">
           <a:solidFill>
             <a:schemeClr val="tx1"/>
           </a:solidFill>
@@ -2873,13 +2873,13 @@
           <a:cs typeface="+mn-cs"/>
         </a:defRPr>
       </a:lvl2pPr>
-      <a:lvl3pPr marL="1217524" indent="-243505" algn="l" defTabSz="974019" rtl="0" eaLnBrk="1" latinLnBrk="0" hangingPunct="1">
+      <a:lvl3pPr marL="973872" indent="-194775" algn="l" defTabSz="779097" rtl="0" eaLnBrk="1" latinLnBrk="0" hangingPunct="1">
         <a:spcBef>
           <a:spcPct val="20000"/>
         </a:spcBef>
         <a:buFont typeface="Arial" panose="020B0604020202020204" pitchFamily="34" charset="0"/>
         <a:buChar char="•"/>
-        <a:defRPr sz="2600" kern="1200">
+        <a:defRPr sz="2000" kern="1200">
           <a:solidFill>
             <a:schemeClr val="tx1"/>
           </a:solidFill>
@@ -2888,13 +2888,13 @@
           <a:cs typeface="+mn-cs"/>
         </a:defRPr>
       </a:lvl3pPr>
-      <a:lvl4pPr marL="1704533" indent="-243505" algn="l" defTabSz="974019" rtl="0" eaLnBrk="1" latinLnBrk="0" hangingPunct="1">
+      <a:lvl4pPr marL="1363420" indent="-194775" algn="l" defTabSz="779097" rtl="0" eaLnBrk="1" latinLnBrk="0" hangingPunct="1">
         <a:spcBef>
           <a:spcPct val="20000"/>
         </a:spcBef>
         <a:buFont typeface="Arial" panose="020B0604020202020204" pitchFamily="34" charset="0"/>
         <a:buChar char="–"/>
-        <a:defRPr sz="2100" kern="1200">
+        <a:defRPr sz="1700" kern="1200">
           <a:solidFill>
             <a:schemeClr val="tx1"/>
           </a:solidFill>
@@ -2903,13 +2903,13 @@
           <a:cs typeface="+mn-cs"/>
         </a:defRPr>
       </a:lvl4pPr>
-      <a:lvl5pPr marL="2191542" indent="-243505" algn="l" defTabSz="974019" rtl="0" eaLnBrk="1" latinLnBrk="0" hangingPunct="1">
+      <a:lvl5pPr marL="1752968" indent="-194775" algn="l" defTabSz="779097" rtl="0" eaLnBrk="1" latinLnBrk="0" hangingPunct="1">
         <a:spcBef>
           <a:spcPct val="20000"/>
         </a:spcBef>
         <a:buFont typeface="Arial" panose="020B0604020202020204" pitchFamily="34" charset="0"/>
         <a:buChar char="»"/>
-        <a:defRPr sz="2100" kern="1200">
+        <a:defRPr sz="1700" kern="1200">
           <a:solidFill>
             <a:schemeClr val="tx1"/>
           </a:solidFill>
@@ -2918,13 +2918,13 @@
           <a:cs typeface="+mn-cs"/>
         </a:defRPr>
       </a:lvl5pPr>
-      <a:lvl6pPr marL="2678552" indent="-243505" algn="l" defTabSz="974019" rtl="0" eaLnBrk="1" latinLnBrk="0" hangingPunct="1">
+      <a:lvl6pPr marL="2142518" indent="-194775" algn="l" defTabSz="779097" rtl="0" eaLnBrk="1" latinLnBrk="0" hangingPunct="1">
         <a:spcBef>
           <a:spcPct val="20000"/>
         </a:spcBef>
         <a:buFont typeface="Arial" panose="020B0604020202020204" pitchFamily="34" charset="0"/>
         <a:buChar char="•"/>
-        <a:defRPr sz="2100" kern="1200">
+        <a:defRPr sz="1700" kern="1200">
           <a:solidFill>
             <a:schemeClr val="tx1"/>
           </a:solidFill>
@@ -2933,13 +2933,13 @@
           <a:cs typeface="+mn-cs"/>
         </a:defRPr>
       </a:lvl6pPr>
-      <a:lvl7pPr marL="3165561" indent="-243505" algn="l" defTabSz="974019" rtl="0" eaLnBrk="1" latinLnBrk="0" hangingPunct="1">
+      <a:lvl7pPr marL="2532066" indent="-194775" algn="l" defTabSz="779097" rtl="0" eaLnBrk="1" latinLnBrk="0" hangingPunct="1">
         <a:spcBef>
           <a:spcPct val="20000"/>
         </a:spcBef>
         <a:buFont typeface="Arial" panose="020B0604020202020204" pitchFamily="34" charset="0"/>
         <a:buChar char="•"/>
-        <a:defRPr sz="2100" kern="1200">
+        <a:defRPr sz="1700" kern="1200">
           <a:solidFill>
             <a:schemeClr val="tx1"/>
           </a:solidFill>
@@ -2948,13 +2948,13 @@
           <a:cs typeface="+mn-cs"/>
         </a:defRPr>
       </a:lvl7pPr>
-      <a:lvl8pPr marL="3652571" indent="-243505" algn="l" defTabSz="974019" rtl="0" eaLnBrk="1" latinLnBrk="0" hangingPunct="1">
+      <a:lvl8pPr marL="2921615" indent="-194775" algn="l" defTabSz="779097" rtl="0" eaLnBrk="1" latinLnBrk="0" hangingPunct="1">
         <a:spcBef>
           <a:spcPct val="20000"/>
         </a:spcBef>
         <a:buFont typeface="Arial" panose="020B0604020202020204" pitchFamily="34" charset="0"/>
         <a:buChar char="•"/>
-        <a:defRPr sz="2100" kern="1200">
+        <a:defRPr sz="1700" kern="1200">
           <a:solidFill>
             <a:schemeClr val="tx1"/>
           </a:solidFill>
@@ -2963,13 +2963,13 @@
           <a:cs typeface="+mn-cs"/>
         </a:defRPr>
       </a:lvl8pPr>
-      <a:lvl9pPr marL="4139580" indent="-243505" algn="l" defTabSz="974019" rtl="0" eaLnBrk="1" latinLnBrk="0" hangingPunct="1">
+      <a:lvl9pPr marL="3311163" indent="-194775" algn="l" defTabSz="779097" rtl="0" eaLnBrk="1" latinLnBrk="0" hangingPunct="1">
         <a:spcBef>
           <a:spcPct val="20000"/>
         </a:spcBef>
         <a:buFont typeface="Arial" panose="020B0604020202020204" pitchFamily="34" charset="0"/>
         <a:buChar char="•"/>
-        <a:defRPr sz="2100" kern="1200">
+        <a:defRPr sz="1700" kern="1200">
           <a:solidFill>
             <a:schemeClr val="tx1"/>
           </a:solidFill>
@@ -2983,8 +2983,8 @@
       <a:defPPr>
         <a:defRPr lang="en-US"/>
       </a:defPPr>
-      <a:lvl1pPr marL="0" algn="l" defTabSz="974019" rtl="0" eaLnBrk="1" latinLnBrk="0" hangingPunct="1">
-        <a:defRPr sz="1900" kern="1200">
+      <a:lvl1pPr marL="0" algn="l" defTabSz="779097" rtl="0" eaLnBrk="1" latinLnBrk="0" hangingPunct="1">
+        <a:defRPr sz="1500" kern="1200">
           <a:solidFill>
             <a:schemeClr val="tx1"/>
           </a:solidFill>
@@ -2993,8 +2993,8 @@
           <a:cs typeface="+mn-cs"/>
         </a:defRPr>
       </a:lvl1pPr>
-      <a:lvl2pPr marL="487009" algn="l" defTabSz="974019" rtl="0" eaLnBrk="1" latinLnBrk="0" hangingPunct="1">
-        <a:defRPr sz="1900" kern="1200">
+      <a:lvl2pPr marL="389548" algn="l" defTabSz="779097" rtl="0" eaLnBrk="1" latinLnBrk="0" hangingPunct="1">
+        <a:defRPr sz="1500" kern="1200">
           <a:solidFill>
             <a:schemeClr val="tx1"/>
           </a:solidFill>
@@ -3003,8 +3003,8 @@
           <a:cs typeface="+mn-cs"/>
         </a:defRPr>
       </a:lvl2pPr>
-      <a:lvl3pPr marL="974019" algn="l" defTabSz="974019" rtl="0" eaLnBrk="1" latinLnBrk="0" hangingPunct="1">
-        <a:defRPr sz="1900" kern="1200">
+      <a:lvl3pPr marL="779097" algn="l" defTabSz="779097" rtl="0" eaLnBrk="1" latinLnBrk="0" hangingPunct="1">
+        <a:defRPr sz="1500" kern="1200">
           <a:solidFill>
             <a:schemeClr val="tx1"/>
           </a:solidFill>
@@ -3013,8 +3013,8 @@
           <a:cs typeface="+mn-cs"/>
         </a:defRPr>
       </a:lvl3pPr>
-      <a:lvl4pPr marL="1461028" algn="l" defTabSz="974019" rtl="0" eaLnBrk="1" latinLnBrk="0" hangingPunct="1">
-        <a:defRPr sz="1900" kern="1200">
+      <a:lvl4pPr marL="1168646" algn="l" defTabSz="779097" rtl="0" eaLnBrk="1" latinLnBrk="0" hangingPunct="1">
+        <a:defRPr sz="1500" kern="1200">
           <a:solidFill>
             <a:schemeClr val="tx1"/>
           </a:solidFill>
@@ -3023,8 +3023,8 @@
           <a:cs typeface="+mn-cs"/>
         </a:defRPr>
       </a:lvl4pPr>
-      <a:lvl5pPr marL="1948038" algn="l" defTabSz="974019" rtl="0" eaLnBrk="1" latinLnBrk="0" hangingPunct="1">
-        <a:defRPr sz="1900" kern="1200">
+      <a:lvl5pPr marL="1558195" algn="l" defTabSz="779097" rtl="0" eaLnBrk="1" latinLnBrk="0" hangingPunct="1">
+        <a:defRPr sz="1500" kern="1200">
           <a:solidFill>
             <a:schemeClr val="tx1"/>
           </a:solidFill>
@@ -3033,8 +3033,8 @@
           <a:cs typeface="+mn-cs"/>
         </a:defRPr>
       </a:lvl5pPr>
-      <a:lvl6pPr marL="2435047" algn="l" defTabSz="974019" rtl="0" eaLnBrk="1" latinLnBrk="0" hangingPunct="1">
-        <a:defRPr sz="1900" kern="1200">
+      <a:lvl6pPr marL="1947743" algn="l" defTabSz="779097" rtl="0" eaLnBrk="1" latinLnBrk="0" hangingPunct="1">
+        <a:defRPr sz="1500" kern="1200">
           <a:solidFill>
             <a:schemeClr val="tx1"/>
           </a:solidFill>
@@ -3043,8 +3043,8 @@
           <a:cs typeface="+mn-cs"/>
         </a:defRPr>
       </a:lvl6pPr>
-      <a:lvl7pPr marL="2922057" algn="l" defTabSz="974019" rtl="0" eaLnBrk="1" latinLnBrk="0" hangingPunct="1">
-        <a:defRPr sz="1900" kern="1200">
+      <a:lvl7pPr marL="2337292" algn="l" defTabSz="779097" rtl="0" eaLnBrk="1" latinLnBrk="0" hangingPunct="1">
+        <a:defRPr sz="1500" kern="1200">
           <a:solidFill>
             <a:schemeClr val="tx1"/>
           </a:solidFill>
@@ -3053,8 +3053,8 @@
           <a:cs typeface="+mn-cs"/>
         </a:defRPr>
       </a:lvl7pPr>
-      <a:lvl8pPr marL="3409066" algn="l" defTabSz="974019" rtl="0" eaLnBrk="1" latinLnBrk="0" hangingPunct="1">
-        <a:defRPr sz="1900" kern="1200">
+      <a:lvl8pPr marL="2726840" algn="l" defTabSz="779097" rtl="0" eaLnBrk="1" latinLnBrk="0" hangingPunct="1">
+        <a:defRPr sz="1500" kern="1200">
           <a:solidFill>
             <a:schemeClr val="tx1"/>
           </a:solidFill>
@@ -3063,8 +3063,8 @@
           <a:cs typeface="+mn-cs"/>
         </a:defRPr>
       </a:lvl8pPr>
-      <a:lvl9pPr marL="3896076" algn="l" defTabSz="974019" rtl="0" eaLnBrk="1" latinLnBrk="0" hangingPunct="1">
-        <a:defRPr sz="1900" kern="1200">
+      <a:lvl9pPr marL="3116390" algn="l" defTabSz="779097" rtl="0" eaLnBrk="1" latinLnBrk="0" hangingPunct="1">
+        <a:defRPr sz="1500" kern="1200">
           <a:solidFill>
             <a:schemeClr val="tx1"/>
           </a:solidFill>
@@ -3097,7 +3097,7 @@
       </p:grpSpPr>
       <p:pic>
         <p:nvPicPr>
-          <p:cNvPr id="84" name="Picture 4" descr="Image Description"/>
+          <p:cNvPr id="50" name="Picture 4" descr="Image Description"/>
           <p:cNvPicPr>
             <a:picLocks noChangeAspect="1" noChangeArrowheads="1"/>
           </p:cNvPicPr>
@@ -3118,8 +3118,8 @@
         </p:blipFill>
         <p:spPr bwMode="auto">
           <a:xfrm>
-            <a:off x="6439973" y="621166"/>
-            <a:ext cx="5980899" cy="3722551"/>
+            <a:off x="379918" y="4475999"/>
+            <a:ext cx="5832000" cy="3629874"/>
           </a:xfrm>
           <a:prstGeom prst="rect">
             <a:avLst/>
@@ -3138,13 +3138,13 @@
       </p:pic>
       <p:grpSp>
         <p:nvGrpSpPr>
-          <p:cNvPr id="85" name="Group 84"/>
+          <p:cNvPr id="51" name="Group 50"/>
           <p:cNvGrpSpPr/>
           <p:nvPr/>
         </p:nvGrpSpPr>
         <p:grpSpPr>
           <a:xfrm>
-            <a:off x="394112" y="188641"/>
+            <a:off x="394112" y="68326"/>
             <a:ext cx="5832648" cy="4587602"/>
             <a:chOff x="107504" y="188641"/>
             <a:chExt cx="5832648" cy="4587602"/>
@@ -3152,7 +3152,7 @@
         </p:grpSpPr>
         <p:pic>
           <p:nvPicPr>
-            <p:cNvPr id="86" name="Picture 2" descr="http://www.rsc.org/ej/JM/2010/b922385a/b922385a-f2.gif"/>
+            <p:cNvPr id="52" name="Picture 2" descr="http://www.rsc.org/ej/JM/2010/b922385a/b922385a-f2.gif"/>
             <p:cNvPicPr>
               <a:picLocks noChangeAspect="1" noChangeArrowheads="1"/>
             </p:cNvPicPr>
@@ -3193,7 +3193,7 @@
         </p:pic>
         <p:sp>
           <p:nvSpPr>
-            <p:cNvPr id="87" name="TextBox 86"/>
+            <p:cNvPr id="53" name="TextBox 52"/>
             <p:cNvSpPr txBox="1"/>
             <p:nvPr/>
           </p:nvSpPr>
@@ -3225,7 +3225,7 @@
         </p:sp>
         <p:sp>
           <p:nvSpPr>
-            <p:cNvPr id="88" name="TextBox 87"/>
+            <p:cNvPr id="54" name="TextBox 53"/>
             <p:cNvSpPr txBox="1"/>
             <p:nvPr/>
           </p:nvSpPr>
@@ -3257,7 +3257,7 @@
         </p:sp>
         <p:sp>
           <p:nvSpPr>
-            <p:cNvPr id="89" name="TextBox 88"/>
+            <p:cNvPr id="55" name="TextBox 54"/>
             <p:cNvSpPr txBox="1"/>
             <p:nvPr/>
           </p:nvSpPr>
@@ -3289,7 +3289,7 @@
         </p:sp>
         <p:sp>
           <p:nvSpPr>
-            <p:cNvPr id="90" name="TextBox 89"/>
+            <p:cNvPr id="56" name="TextBox 55"/>
             <p:cNvSpPr txBox="1"/>
             <p:nvPr/>
           </p:nvSpPr>
@@ -3325,7 +3325,7 @@
         </p:sp>
         <p:sp>
           <p:nvSpPr>
-            <p:cNvPr id="91" name="TextBox 90"/>
+            <p:cNvPr id="57" name="TextBox 56"/>
             <p:cNvSpPr txBox="1"/>
             <p:nvPr/>
           </p:nvSpPr>
@@ -3365,7 +3365,7 @@
         </p:sp>
         <p:sp>
           <p:nvSpPr>
-            <p:cNvPr id="92" name="TextBox 91"/>
+            <p:cNvPr id="58" name="TextBox 57"/>
             <p:cNvSpPr txBox="1"/>
             <p:nvPr/>
           </p:nvSpPr>
@@ -3401,7 +3401,7 @@
         </p:sp>
         <p:sp>
           <p:nvSpPr>
-            <p:cNvPr id="93" name="TextBox 92"/>
+            <p:cNvPr id="59" name="TextBox 58"/>
             <p:cNvSpPr txBox="1"/>
             <p:nvPr/>
           </p:nvSpPr>
@@ -3433,7 +3433,7 @@
         </p:sp>
         <p:sp>
           <p:nvSpPr>
-            <p:cNvPr id="94" name="TextBox 93"/>
+            <p:cNvPr id="60" name="TextBox 59"/>
             <p:cNvSpPr txBox="1"/>
             <p:nvPr/>
           </p:nvSpPr>
@@ -3473,7 +3473,7 @@
         </p:sp>
         <p:sp>
           <p:nvSpPr>
-            <p:cNvPr id="95" name="TextBox 94"/>
+            <p:cNvPr id="61" name="TextBox 60"/>
             <p:cNvSpPr txBox="1"/>
             <p:nvPr/>
           </p:nvSpPr>
@@ -3505,7 +3505,7 @@
         </p:sp>
         <p:sp>
           <p:nvSpPr>
-            <p:cNvPr id="96" name="TextBox 95"/>
+            <p:cNvPr id="62" name="TextBox 61"/>
             <p:cNvSpPr txBox="1"/>
             <p:nvPr/>
           </p:nvSpPr>
@@ -3541,7 +3541,7 @@
         </p:sp>
         <p:sp>
           <p:nvSpPr>
-            <p:cNvPr id="97" name="TextBox 96"/>
+            <p:cNvPr id="63" name="TextBox 62"/>
             <p:cNvSpPr txBox="1"/>
             <p:nvPr/>
           </p:nvSpPr>
@@ -3582,7 +3582,7 @@
       </p:grpSp>
       <p:sp>
         <p:nvSpPr>
-          <p:cNvPr id="98" name="TextBox 97"/>
+          <p:cNvPr id="64" name="TextBox 63"/>
           <p:cNvSpPr txBox="1"/>
           <p:nvPr/>
         </p:nvSpPr>
@@ -3612,13 +3612,13 @@
       </p:sp>
       <p:sp>
         <p:nvSpPr>
-          <p:cNvPr id="99" name="TextBox 98"/>
+          <p:cNvPr id="65" name="TextBox 64"/>
           <p:cNvSpPr txBox="1"/>
           <p:nvPr/>
         </p:nvSpPr>
         <p:spPr>
           <a:xfrm>
-            <a:off x="6262734" y="438209"/>
+            <a:off x="-95127" y="4644256"/>
             <a:ext cx="648072" cy="477054"/>
           </a:xfrm>
           <a:prstGeom prst="rect">
